--- a/images/Nouveau Microsoft PowerPoint Presentation.pptx
+++ b/images/Nouveau Microsoft PowerPoint Presentation.pptx
@@ -104,6 +104,11 @@
       </a:defRPr>
     </a:lvl9pPr>
   </p:defaultTextStyle>
+  <p:extLst>
+    <p:ext uri="{EFAFB233-063F-42B5-8137-9DF3F51BA10A}">
+      <p15:sldGuideLst xmlns:p15="http://schemas.microsoft.com/office/powerpoint/2012/main"/>
+    </p:ext>
+  </p:extLst>
 </p:presentation>
 </file>
 
@@ -256,7 +261,7 @@
           <a:p>
             <a:fld id="{02A81306-1F14-4D6F-B95C-81D0A52E5F40}" type="datetimeFigureOut">
               <a:rPr lang="fr-FR" smtClean="0"/>
-              <a:t>08/01/2023</a:t>
+              <a:t>02/02/2023</a:t>
             </a:fld>
             <a:endParaRPr lang="fr-FR"/>
           </a:p>
@@ -456,7 +461,7 @@
           <a:p>
             <a:fld id="{02A81306-1F14-4D6F-B95C-81D0A52E5F40}" type="datetimeFigureOut">
               <a:rPr lang="fr-FR" smtClean="0"/>
-              <a:t>08/01/2023</a:t>
+              <a:t>02/02/2023</a:t>
             </a:fld>
             <a:endParaRPr lang="fr-FR"/>
           </a:p>
@@ -666,7 +671,7 @@
           <a:p>
             <a:fld id="{02A81306-1F14-4D6F-B95C-81D0A52E5F40}" type="datetimeFigureOut">
               <a:rPr lang="fr-FR" smtClean="0"/>
-              <a:t>08/01/2023</a:t>
+              <a:t>02/02/2023</a:t>
             </a:fld>
             <a:endParaRPr lang="fr-FR"/>
           </a:p>
@@ -866,7 +871,7 @@
           <a:p>
             <a:fld id="{02A81306-1F14-4D6F-B95C-81D0A52E5F40}" type="datetimeFigureOut">
               <a:rPr lang="fr-FR" smtClean="0"/>
-              <a:t>08/01/2023</a:t>
+              <a:t>02/02/2023</a:t>
             </a:fld>
             <a:endParaRPr lang="fr-FR"/>
           </a:p>
@@ -1142,7 +1147,7 @@
           <a:p>
             <a:fld id="{02A81306-1F14-4D6F-B95C-81D0A52E5F40}" type="datetimeFigureOut">
               <a:rPr lang="fr-FR" smtClean="0"/>
-              <a:t>08/01/2023</a:t>
+              <a:t>02/02/2023</a:t>
             </a:fld>
             <a:endParaRPr lang="fr-FR"/>
           </a:p>
@@ -1410,7 +1415,7 @@
           <a:p>
             <a:fld id="{02A81306-1F14-4D6F-B95C-81D0A52E5F40}" type="datetimeFigureOut">
               <a:rPr lang="fr-FR" smtClean="0"/>
-              <a:t>08/01/2023</a:t>
+              <a:t>02/02/2023</a:t>
             </a:fld>
             <a:endParaRPr lang="fr-FR"/>
           </a:p>
@@ -1825,7 +1830,7 @@
           <a:p>
             <a:fld id="{02A81306-1F14-4D6F-B95C-81D0A52E5F40}" type="datetimeFigureOut">
               <a:rPr lang="fr-FR" smtClean="0"/>
-              <a:t>08/01/2023</a:t>
+              <a:t>02/02/2023</a:t>
             </a:fld>
             <a:endParaRPr lang="fr-FR"/>
           </a:p>
@@ -1967,7 +1972,7 @@
           <a:p>
             <a:fld id="{02A81306-1F14-4D6F-B95C-81D0A52E5F40}" type="datetimeFigureOut">
               <a:rPr lang="fr-FR" smtClean="0"/>
-              <a:t>08/01/2023</a:t>
+              <a:t>02/02/2023</a:t>
             </a:fld>
             <a:endParaRPr lang="fr-FR"/>
           </a:p>
@@ -2080,7 +2085,7 @@
           <a:p>
             <a:fld id="{02A81306-1F14-4D6F-B95C-81D0A52E5F40}" type="datetimeFigureOut">
               <a:rPr lang="fr-FR" smtClean="0"/>
-              <a:t>08/01/2023</a:t>
+              <a:t>02/02/2023</a:t>
             </a:fld>
             <a:endParaRPr lang="fr-FR"/>
           </a:p>
@@ -2393,7 +2398,7 @@
           <a:p>
             <a:fld id="{02A81306-1F14-4D6F-B95C-81D0A52E5F40}" type="datetimeFigureOut">
               <a:rPr lang="fr-FR" smtClean="0"/>
-              <a:t>08/01/2023</a:t>
+              <a:t>02/02/2023</a:t>
             </a:fld>
             <a:endParaRPr lang="fr-FR"/>
           </a:p>
@@ -2682,7 +2687,7 @@
           <a:p>
             <a:fld id="{02A81306-1F14-4D6F-B95C-81D0A52E5F40}" type="datetimeFigureOut">
               <a:rPr lang="fr-FR" smtClean="0"/>
-              <a:t>08/01/2023</a:t>
+              <a:t>02/02/2023</a:t>
             </a:fld>
             <a:endParaRPr lang="fr-FR"/>
           </a:p>
@@ -2925,7 +2930,7 @@
           <a:p>
             <a:fld id="{02A81306-1F14-4D6F-B95C-81D0A52E5F40}" type="datetimeFigureOut">
               <a:rPr lang="fr-FR" smtClean="0"/>
-              <a:t>08/01/2023</a:t>
+              <a:t>02/02/2023</a:t>
             </a:fld>
             <a:endParaRPr lang="fr-FR"/>
           </a:p>
@@ -3363,7 +3368,7 @@
             <a:avLst/>
           </a:prstGeom>
           <a:solidFill>
-            <a:srgbClr val="005166"/>
+            <a:srgbClr val="245C51"/>
           </a:solidFill>
           <a:ln>
             <a:noFill/>
@@ -3390,13 +3395,10 @@
           <a:lstStyle/>
           <a:p>
             <a:pPr algn="ctr"/>
-            <a:r>
-              <a:rPr lang="fr-FR" sz="8000" dirty="0">
-                <a:latin typeface="Segoe UI Light" panose="020B0502040204020203" pitchFamily="34" charset="0"/>
-                <a:cs typeface="Segoe UI Light" panose="020B0502040204020203" pitchFamily="34" charset="0"/>
-              </a:rPr>
-              <a:t>BOUGIE</a:t>
-            </a:r>
+            <a:endParaRPr lang="fr-FR" sz="8000" dirty="0">
+              <a:latin typeface="Segoe UI Light" panose="020B0502040204020203" pitchFamily="34" charset="0"/>
+              <a:cs typeface="Segoe UI Light" panose="020B0502040204020203" pitchFamily="34" charset="0"/>
+            </a:endParaRPr>
           </a:p>
         </p:txBody>
       </p:sp>
